--- a/project/dayLight/Daylight Sensor Data Collection.pptx
+++ b/project/dayLight/Daylight Sensor Data Collection.pptx
@@ -6,8 +6,9 @@
   </p:sldMasterIdLst>
   <p:sldIdLst>
     <p:sldId id="256" r:id="rId2"/>
-    <p:sldId id="257" r:id="rId3"/>
-    <p:sldId id="258" r:id="rId4"/>
+    <p:sldId id="259" r:id="rId3"/>
+    <p:sldId id="257" r:id="rId4"/>
+    <p:sldId id="258" r:id="rId5"/>
   </p:sldIdLst>
   <p:sldSz cx="9144000" cy="6858000" type="screen4x3"/>
   <p:notesSz cx="6858000" cy="9144000"/>
@@ -290,7 +291,8 @@
           <a:p>
             <a:fld id="{B0B03674-BF5E-4E27-80C3-DD37FA572B8B}" type="datetimeFigureOut">
               <a:rPr lang="ko-KR" altLang="en-US" smtClean="0"/>
-              <a:t>2018-05-10</a:t>
+              <a:pPr/>
+              <a:t>2018-05-14</a:t>
             </a:fld>
             <a:endParaRPr lang="ko-KR" altLang="en-US"/>
           </a:p>
@@ -332,6 +334,7 @@
           <a:p>
             <a:fld id="{259DD457-689E-423B-B943-11CDF81E0D95}" type="slidenum">
               <a:rPr lang="ko-KR" altLang="en-US" smtClean="0"/>
+              <a:pPr/>
               <a:t>‹#›</a:t>
             </a:fld>
             <a:endParaRPr lang="ko-KR" altLang="en-US"/>
@@ -455,7 +458,8 @@
           <a:p>
             <a:fld id="{B0B03674-BF5E-4E27-80C3-DD37FA572B8B}" type="datetimeFigureOut">
               <a:rPr lang="ko-KR" altLang="en-US" smtClean="0"/>
-              <a:t>2018-05-10</a:t>
+              <a:pPr/>
+              <a:t>2018-05-14</a:t>
             </a:fld>
             <a:endParaRPr lang="ko-KR" altLang="en-US"/>
           </a:p>
@@ -497,6 +501,7 @@
           <a:p>
             <a:fld id="{259DD457-689E-423B-B943-11CDF81E0D95}" type="slidenum">
               <a:rPr lang="ko-KR" altLang="en-US" smtClean="0"/>
+              <a:pPr/>
               <a:t>‹#›</a:t>
             </a:fld>
             <a:endParaRPr lang="ko-KR" altLang="en-US"/>
@@ -630,7 +635,8 @@
           <a:p>
             <a:fld id="{B0B03674-BF5E-4E27-80C3-DD37FA572B8B}" type="datetimeFigureOut">
               <a:rPr lang="ko-KR" altLang="en-US" smtClean="0"/>
-              <a:t>2018-05-10</a:t>
+              <a:pPr/>
+              <a:t>2018-05-14</a:t>
             </a:fld>
             <a:endParaRPr lang="ko-KR" altLang="en-US"/>
           </a:p>
@@ -672,6 +678,7 @@
           <a:p>
             <a:fld id="{259DD457-689E-423B-B943-11CDF81E0D95}" type="slidenum">
               <a:rPr lang="ko-KR" altLang="en-US" smtClean="0"/>
+              <a:pPr/>
               <a:t>‹#›</a:t>
             </a:fld>
             <a:endParaRPr lang="ko-KR" altLang="en-US"/>
@@ -795,7 +802,8 @@
           <a:p>
             <a:fld id="{B0B03674-BF5E-4E27-80C3-DD37FA572B8B}" type="datetimeFigureOut">
               <a:rPr lang="ko-KR" altLang="en-US" smtClean="0"/>
-              <a:t>2018-05-10</a:t>
+              <a:pPr/>
+              <a:t>2018-05-14</a:t>
             </a:fld>
             <a:endParaRPr lang="ko-KR" altLang="en-US"/>
           </a:p>
@@ -837,6 +845,7 @@
           <a:p>
             <a:fld id="{259DD457-689E-423B-B943-11CDF81E0D95}" type="slidenum">
               <a:rPr lang="ko-KR" altLang="en-US" smtClean="0"/>
+              <a:pPr/>
               <a:t>‹#›</a:t>
             </a:fld>
             <a:endParaRPr lang="ko-KR" altLang="en-US"/>
@@ -1036,7 +1045,8 @@
           <a:p>
             <a:fld id="{B0B03674-BF5E-4E27-80C3-DD37FA572B8B}" type="datetimeFigureOut">
               <a:rPr lang="ko-KR" altLang="en-US" smtClean="0"/>
-              <a:t>2018-05-10</a:t>
+              <a:pPr/>
+              <a:t>2018-05-14</a:t>
             </a:fld>
             <a:endParaRPr lang="ko-KR" altLang="en-US"/>
           </a:p>
@@ -1078,6 +1088,7 @@
           <a:p>
             <a:fld id="{259DD457-689E-423B-B943-11CDF81E0D95}" type="slidenum">
               <a:rPr lang="ko-KR" altLang="en-US" smtClean="0"/>
+              <a:pPr/>
               <a:t>‹#›</a:t>
             </a:fld>
             <a:endParaRPr lang="ko-KR" altLang="en-US"/>
@@ -1319,7 +1330,8 @@
           <a:p>
             <a:fld id="{B0B03674-BF5E-4E27-80C3-DD37FA572B8B}" type="datetimeFigureOut">
               <a:rPr lang="ko-KR" altLang="en-US" smtClean="0"/>
-              <a:t>2018-05-10</a:t>
+              <a:pPr/>
+              <a:t>2018-05-14</a:t>
             </a:fld>
             <a:endParaRPr lang="ko-KR" altLang="en-US"/>
           </a:p>
@@ -1361,6 +1373,7 @@
           <a:p>
             <a:fld id="{259DD457-689E-423B-B943-11CDF81E0D95}" type="slidenum">
               <a:rPr lang="ko-KR" altLang="en-US" smtClean="0"/>
+              <a:pPr/>
               <a:t>‹#›</a:t>
             </a:fld>
             <a:endParaRPr lang="ko-KR" altLang="en-US"/>
@@ -1736,7 +1749,8 @@
           <a:p>
             <a:fld id="{B0B03674-BF5E-4E27-80C3-DD37FA572B8B}" type="datetimeFigureOut">
               <a:rPr lang="ko-KR" altLang="en-US" smtClean="0"/>
-              <a:t>2018-05-10</a:t>
+              <a:pPr/>
+              <a:t>2018-05-14</a:t>
             </a:fld>
             <a:endParaRPr lang="ko-KR" altLang="en-US"/>
           </a:p>
@@ -1778,6 +1792,7 @@
           <a:p>
             <a:fld id="{259DD457-689E-423B-B943-11CDF81E0D95}" type="slidenum">
               <a:rPr lang="ko-KR" altLang="en-US" smtClean="0"/>
+              <a:pPr/>
               <a:t>‹#›</a:t>
             </a:fld>
             <a:endParaRPr lang="ko-KR" altLang="en-US"/>
@@ -1849,7 +1864,8 @@
           <a:p>
             <a:fld id="{B0B03674-BF5E-4E27-80C3-DD37FA572B8B}" type="datetimeFigureOut">
               <a:rPr lang="ko-KR" altLang="en-US" smtClean="0"/>
-              <a:t>2018-05-10</a:t>
+              <a:pPr/>
+              <a:t>2018-05-14</a:t>
             </a:fld>
             <a:endParaRPr lang="ko-KR" altLang="en-US"/>
           </a:p>
@@ -1891,6 +1907,7 @@
           <a:p>
             <a:fld id="{259DD457-689E-423B-B943-11CDF81E0D95}" type="slidenum">
               <a:rPr lang="ko-KR" altLang="en-US" smtClean="0"/>
+              <a:pPr/>
               <a:t>‹#›</a:t>
             </a:fld>
             <a:endParaRPr lang="ko-KR" altLang="en-US"/>
@@ -1939,7 +1956,8 @@
           <a:p>
             <a:fld id="{B0B03674-BF5E-4E27-80C3-DD37FA572B8B}" type="datetimeFigureOut">
               <a:rPr lang="ko-KR" altLang="en-US" smtClean="0"/>
-              <a:t>2018-05-10</a:t>
+              <a:pPr/>
+              <a:t>2018-05-14</a:t>
             </a:fld>
             <a:endParaRPr lang="ko-KR" altLang="en-US"/>
           </a:p>
@@ -1981,6 +1999,7 @@
           <a:p>
             <a:fld id="{259DD457-689E-423B-B943-11CDF81E0D95}" type="slidenum">
               <a:rPr lang="ko-KR" altLang="en-US" smtClean="0"/>
+              <a:pPr/>
               <a:t>‹#›</a:t>
             </a:fld>
             <a:endParaRPr lang="ko-KR" altLang="en-US"/>
@@ -2211,7 +2230,8 @@
           <a:p>
             <a:fld id="{B0B03674-BF5E-4E27-80C3-DD37FA572B8B}" type="datetimeFigureOut">
               <a:rPr lang="ko-KR" altLang="en-US" smtClean="0"/>
-              <a:t>2018-05-10</a:t>
+              <a:pPr/>
+              <a:t>2018-05-14</a:t>
             </a:fld>
             <a:endParaRPr lang="ko-KR" altLang="en-US"/>
           </a:p>
@@ -2253,6 +2273,7 @@
           <a:p>
             <a:fld id="{259DD457-689E-423B-B943-11CDF81E0D95}" type="slidenum">
               <a:rPr lang="ko-KR" altLang="en-US" smtClean="0"/>
+              <a:pPr/>
               <a:t>‹#›</a:t>
             </a:fld>
             <a:endParaRPr lang="ko-KR" altLang="en-US"/>
@@ -2459,7 +2480,8 @@
           <a:p>
             <a:fld id="{B0B03674-BF5E-4E27-80C3-DD37FA572B8B}" type="datetimeFigureOut">
               <a:rPr lang="ko-KR" altLang="en-US" smtClean="0"/>
-              <a:t>2018-05-10</a:t>
+              <a:pPr/>
+              <a:t>2018-05-14</a:t>
             </a:fld>
             <a:endParaRPr lang="ko-KR" altLang="en-US"/>
           </a:p>
@@ -2501,6 +2523,7 @@
           <a:p>
             <a:fld id="{259DD457-689E-423B-B943-11CDF81E0D95}" type="slidenum">
               <a:rPr lang="ko-KR" altLang="en-US" smtClean="0"/>
+              <a:pPr/>
               <a:t>‹#›</a:t>
             </a:fld>
             <a:endParaRPr lang="ko-KR" altLang="en-US"/>
@@ -2667,7 +2690,8 @@
           <a:p>
             <a:fld id="{B0B03674-BF5E-4E27-80C3-DD37FA572B8B}" type="datetimeFigureOut">
               <a:rPr lang="ko-KR" altLang="en-US" smtClean="0"/>
-              <a:t>2018-05-10</a:t>
+              <a:pPr/>
+              <a:t>2018-05-14</a:t>
             </a:fld>
             <a:endParaRPr lang="ko-KR" altLang="en-US"/>
           </a:p>
@@ -2745,6 +2769,7 @@
           <a:p>
             <a:fld id="{259DD457-689E-423B-B943-11CDF81E0D95}" type="slidenum">
               <a:rPr lang="ko-KR" altLang="en-US" smtClean="0"/>
+              <a:pPr/>
               <a:t>‹#›</a:t>
             </a:fld>
             <a:endParaRPr lang="ko-KR" altLang="en-US"/>
@@ -3126,12 +3151,29 @@
         </p:nvSpPr>
         <p:spPr/>
         <p:txBody>
-          <a:bodyPr/>
+          <a:bodyPr>
+            <a:normAutofit fontScale="90000"/>
+          </a:bodyPr>
           <a:lstStyle/>
           <a:p>
             <a:r>
               <a:rPr lang="en-US" altLang="ko-KR" dirty="0" smtClean="0"/>
-              <a:t>System Block Diagram</a:t>
+              <a:t>System Block </a:t>
+            </a:r>
+            <a:r>
+              <a:rPr lang="en-US" altLang="ko-KR" dirty="0" smtClean="0"/>
+              <a:t>Diagram</a:t>
+            </a:r>
+            <a:br>
+              <a:rPr lang="en-US" altLang="ko-KR" dirty="0" smtClean="0"/>
+            </a:br>
+            <a:r>
+              <a:rPr lang="en-US" altLang="ko-KR" dirty="0" smtClean="0"/>
+              <a:t>50M </a:t>
+            </a:r>
+            <a:r>
+              <a:rPr lang="ko-KR" altLang="en-US" dirty="0" smtClean="0"/>
+              <a:t>이내</a:t>
             </a:r>
             <a:endParaRPr lang="ko-KR" altLang="en-US" dirty="0"/>
           </a:p>
@@ -3281,8 +3323,9 @@
             <a:pPr algn="ctr"/>
             <a:r>
               <a:rPr lang="en-US" altLang="ko-KR" dirty="0" smtClean="0"/>
-              <a:t>Raspberry Pi</a:t>
-            </a:r>
+              <a:t>Linux System</a:t>
+            </a:r>
+            <a:endParaRPr lang="en-US" altLang="ko-KR" dirty="0" smtClean="0"/>
           </a:p>
           <a:p>
             <a:pPr algn="ctr"/>
@@ -3437,8 +3480,8 @@
         </p:nvSpPr>
         <p:spPr>
           <a:xfrm>
-            <a:off x="5292080" y="4365104"/>
-            <a:ext cx="648072" cy="369332"/>
+            <a:off x="5148064" y="4509120"/>
+            <a:ext cx="936104" cy="369332"/>
           </a:xfrm>
           <a:prstGeom prst="rect">
             <a:avLst/>
@@ -3536,6 +3579,442 @@
         </p:nvSpPr>
         <p:spPr/>
         <p:txBody>
+          <a:bodyPr>
+            <a:normAutofit fontScale="90000"/>
+          </a:bodyPr>
+          <a:lstStyle/>
+          <a:p>
+            <a:r>
+              <a:rPr lang="en-US" altLang="ko-KR" dirty="0" smtClean="0"/>
+              <a:t>System Block </a:t>
+            </a:r>
+            <a:r>
+              <a:rPr lang="en-US" altLang="ko-KR" dirty="0" smtClean="0"/>
+              <a:t>Diagram</a:t>
+            </a:r>
+            <a:br>
+              <a:rPr lang="en-US" altLang="ko-KR" dirty="0" smtClean="0"/>
+            </a:br>
+            <a:r>
+              <a:rPr lang="en-US" altLang="ko-KR" dirty="0" smtClean="0"/>
+              <a:t>500M</a:t>
+            </a:r>
+            <a:r>
+              <a:rPr lang="ko-KR" altLang="en-US" dirty="0" smtClean="0"/>
+              <a:t>이내</a:t>
+            </a:r>
+            <a:endParaRPr lang="ko-KR" altLang="en-US" dirty="0"/>
+          </a:p>
+        </p:txBody>
+      </p:sp>
+      <p:sp>
+        <p:nvSpPr>
+          <p:cNvPr id="4" name="직사각형 3"/>
+          <p:cNvSpPr/>
+          <p:nvPr/>
+        </p:nvSpPr>
+        <p:spPr>
+          <a:xfrm>
+            <a:off x="1043608" y="2060848"/>
+            <a:ext cx="3960440" cy="4104456"/>
+          </a:xfrm>
+          <a:prstGeom prst="rect">
+            <a:avLst/>
+          </a:prstGeom>
+        </p:spPr>
+        <p:style>
+          <a:lnRef idx="2">
+            <a:schemeClr val="accent1">
+              <a:shade val="50000"/>
+            </a:schemeClr>
+          </a:lnRef>
+          <a:fillRef idx="1">
+            <a:schemeClr val="accent1"/>
+          </a:fillRef>
+          <a:effectRef idx="0">
+            <a:schemeClr val="accent1"/>
+          </a:effectRef>
+          <a:fontRef idx="minor">
+            <a:schemeClr val="lt1"/>
+          </a:fontRef>
+        </p:style>
+        <p:txBody>
+          <a:bodyPr rtlCol="0" anchor="ctr"/>
+          <a:lstStyle/>
+          <a:p>
+            <a:pPr algn="ctr"/>
+            <a:endParaRPr lang="ko-KR" altLang="en-US"/>
+          </a:p>
+        </p:txBody>
+      </p:sp>
+      <p:sp>
+        <p:nvSpPr>
+          <p:cNvPr id="5" name="모서리가 둥근 직사각형 4"/>
+          <p:cNvSpPr/>
+          <p:nvPr/>
+        </p:nvSpPr>
+        <p:spPr>
+          <a:xfrm>
+            <a:off x="1475656" y="4365104"/>
+            <a:ext cx="3096344" cy="1584176"/>
+          </a:xfrm>
+          <a:prstGeom prst="roundRect">
+            <a:avLst/>
+          </a:prstGeom>
+        </p:spPr>
+        <p:style>
+          <a:lnRef idx="2">
+            <a:schemeClr val="accent1">
+              <a:shade val="50000"/>
+            </a:schemeClr>
+          </a:lnRef>
+          <a:fillRef idx="1">
+            <a:schemeClr val="accent1"/>
+          </a:fillRef>
+          <a:effectRef idx="0">
+            <a:schemeClr val="accent1"/>
+          </a:effectRef>
+          <a:fontRef idx="minor">
+            <a:schemeClr val="lt1"/>
+          </a:fontRef>
+        </p:style>
+        <p:txBody>
+          <a:bodyPr rtlCol="0" anchor="ctr"/>
+          <a:lstStyle/>
+          <a:p>
+            <a:pPr algn="ctr"/>
+            <a:r>
+              <a:rPr lang="en-US" altLang="ko-KR" dirty="0" smtClean="0"/>
+              <a:t>Com</a:t>
+            </a:r>
+          </a:p>
+          <a:p>
+            <a:pPr algn="ctr"/>
+            <a:r>
+              <a:rPr lang="en-US" altLang="ko-KR" dirty="0" smtClean="0"/>
+              <a:t>Gateway</a:t>
+            </a:r>
+          </a:p>
+          <a:p>
+            <a:pPr algn="ctr"/>
+            <a:r>
+              <a:rPr lang="en-US" altLang="ko-KR" dirty="0" smtClean="0"/>
+              <a:t>(</a:t>
+            </a:r>
+            <a:r>
+              <a:rPr lang="en-US" altLang="ko-KR" dirty="0" err="1" smtClean="0"/>
+              <a:t>LoRa</a:t>
+            </a:r>
+            <a:r>
+              <a:rPr lang="en-US" altLang="ko-KR" dirty="0" smtClean="0"/>
+              <a:t> </a:t>
+            </a:r>
+            <a:r>
+              <a:rPr lang="en-US" altLang="ko-KR" dirty="0" err="1" smtClean="0"/>
+              <a:t>Tranceiver</a:t>
+            </a:r>
+            <a:r>
+              <a:rPr lang="en-US" altLang="ko-KR" dirty="0" smtClean="0"/>
+              <a:t>)</a:t>
+            </a:r>
+            <a:endParaRPr lang="ko-KR" altLang="en-US" dirty="0"/>
+          </a:p>
+        </p:txBody>
+      </p:sp>
+      <p:sp>
+        <p:nvSpPr>
+          <p:cNvPr id="7" name="모서리가 둥근 직사각형 6"/>
+          <p:cNvSpPr/>
+          <p:nvPr/>
+        </p:nvSpPr>
+        <p:spPr>
+          <a:xfrm>
+            <a:off x="1475656" y="2348880"/>
+            <a:ext cx="3096344" cy="1584176"/>
+          </a:xfrm>
+          <a:prstGeom prst="roundRect">
+            <a:avLst/>
+          </a:prstGeom>
+        </p:spPr>
+        <p:style>
+          <a:lnRef idx="2">
+            <a:schemeClr val="accent1">
+              <a:shade val="50000"/>
+            </a:schemeClr>
+          </a:lnRef>
+          <a:fillRef idx="1">
+            <a:schemeClr val="accent1"/>
+          </a:fillRef>
+          <a:effectRef idx="0">
+            <a:schemeClr val="accent1"/>
+          </a:effectRef>
+          <a:fontRef idx="minor">
+            <a:schemeClr val="lt1"/>
+          </a:fontRef>
+        </p:style>
+        <p:txBody>
+          <a:bodyPr rtlCol="0" anchor="ctr"/>
+          <a:lstStyle/>
+          <a:p>
+            <a:pPr algn="ctr"/>
+            <a:r>
+              <a:rPr lang="en-US" altLang="ko-KR" dirty="0" smtClean="0"/>
+              <a:t>Linux System</a:t>
+            </a:r>
+            <a:endParaRPr lang="en-US" altLang="ko-KR" dirty="0" smtClean="0"/>
+          </a:p>
+          <a:p>
+            <a:pPr algn="ctr"/>
+            <a:r>
+              <a:rPr lang="en-US" altLang="ko-KR" dirty="0" smtClean="0"/>
+              <a:t>Data Collection Server</a:t>
+            </a:r>
+            <a:endParaRPr lang="ko-KR" altLang="en-US" dirty="0"/>
+          </a:p>
+        </p:txBody>
+      </p:sp>
+      <p:sp>
+        <p:nvSpPr>
+          <p:cNvPr id="8" name="타원 7"/>
+          <p:cNvSpPr/>
+          <p:nvPr/>
+        </p:nvSpPr>
+        <p:spPr>
+          <a:xfrm>
+            <a:off x="6084168" y="4365104"/>
+            <a:ext cx="2016224" cy="1800200"/>
+          </a:xfrm>
+          <a:prstGeom prst="ellipse">
+            <a:avLst/>
+          </a:prstGeom>
+        </p:spPr>
+        <p:style>
+          <a:lnRef idx="2">
+            <a:schemeClr val="accent1">
+              <a:shade val="50000"/>
+            </a:schemeClr>
+          </a:lnRef>
+          <a:fillRef idx="1">
+            <a:schemeClr val="accent1"/>
+          </a:fillRef>
+          <a:effectRef idx="0">
+            <a:schemeClr val="accent1"/>
+          </a:effectRef>
+          <a:fontRef idx="minor">
+            <a:schemeClr val="lt1"/>
+          </a:fontRef>
+        </p:style>
+        <p:txBody>
+          <a:bodyPr rtlCol="0" anchor="ctr"/>
+          <a:lstStyle/>
+          <a:p>
+            <a:pPr algn="ctr"/>
+            <a:r>
+              <a:rPr lang="en-US" altLang="ko-KR" dirty="0" smtClean="0"/>
+              <a:t>Daylight</a:t>
+            </a:r>
+          </a:p>
+          <a:p>
+            <a:pPr algn="ctr"/>
+            <a:r>
+              <a:rPr lang="en-US" altLang="ko-KR" dirty="0" smtClean="0"/>
+              <a:t>Sensor</a:t>
+            </a:r>
+            <a:endParaRPr lang="ko-KR" altLang="en-US" dirty="0"/>
+          </a:p>
+        </p:txBody>
+      </p:sp>
+      <p:sp>
+        <p:nvSpPr>
+          <p:cNvPr id="10" name="해 9"/>
+          <p:cNvSpPr/>
+          <p:nvPr/>
+        </p:nvSpPr>
+        <p:spPr>
+          <a:xfrm>
+            <a:off x="7524328" y="2492896"/>
+            <a:ext cx="1224136" cy="1368152"/>
+          </a:xfrm>
+          <a:prstGeom prst="sun">
+            <a:avLst/>
+          </a:prstGeom>
+        </p:spPr>
+        <p:style>
+          <a:lnRef idx="2">
+            <a:schemeClr val="accent1">
+              <a:shade val="50000"/>
+            </a:schemeClr>
+          </a:lnRef>
+          <a:fillRef idx="1">
+            <a:schemeClr val="accent1"/>
+          </a:fillRef>
+          <a:effectRef idx="0">
+            <a:schemeClr val="accent1"/>
+          </a:effectRef>
+          <a:fontRef idx="minor">
+            <a:schemeClr val="lt1"/>
+          </a:fontRef>
+        </p:style>
+        <p:txBody>
+          <a:bodyPr rtlCol="0" anchor="ctr"/>
+          <a:lstStyle/>
+          <a:p>
+            <a:pPr algn="ctr"/>
+            <a:r>
+              <a:rPr lang="en-US" altLang="ko-KR" sz="1000" dirty="0" smtClean="0"/>
+              <a:t>Sun</a:t>
+            </a:r>
+            <a:endParaRPr lang="ko-KR" altLang="en-US" sz="1000" dirty="0"/>
+          </a:p>
+        </p:txBody>
+      </p:sp>
+      <p:sp>
+        <p:nvSpPr>
+          <p:cNvPr id="11" name="번개 10"/>
+          <p:cNvSpPr/>
+          <p:nvPr/>
+        </p:nvSpPr>
+        <p:spPr>
+          <a:xfrm>
+            <a:off x="5220072" y="5013176"/>
+            <a:ext cx="792088" cy="792088"/>
+          </a:xfrm>
+          <a:prstGeom prst="lightningBolt">
+            <a:avLst/>
+          </a:prstGeom>
+        </p:spPr>
+        <p:style>
+          <a:lnRef idx="2">
+            <a:schemeClr val="accent1">
+              <a:shade val="50000"/>
+            </a:schemeClr>
+          </a:lnRef>
+          <a:fillRef idx="1">
+            <a:schemeClr val="accent1"/>
+          </a:fillRef>
+          <a:effectRef idx="0">
+            <a:schemeClr val="accent1"/>
+          </a:effectRef>
+          <a:fontRef idx="minor">
+            <a:schemeClr val="lt1"/>
+          </a:fontRef>
+        </p:style>
+        <p:txBody>
+          <a:bodyPr rtlCol="0" anchor="ctr"/>
+          <a:lstStyle/>
+          <a:p>
+            <a:pPr algn="ctr"/>
+            <a:endParaRPr lang="ko-KR" altLang="en-US"/>
+          </a:p>
+        </p:txBody>
+      </p:sp>
+      <p:sp>
+        <p:nvSpPr>
+          <p:cNvPr id="12" name="TextBox 11"/>
+          <p:cNvSpPr txBox="1"/>
+          <p:nvPr/>
+        </p:nvSpPr>
+        <p:spPr>
+          <a:xfrm>
+            <a:off x="5148064" y="4509120"/>
+            <a:ext cx="936104" cy="369332"/>
+          </a:xfrm>
+          <a:prstGeom prst="rect">
+            <a:avLst/>
+          </a:prstGeom>
+          <a:noFill/>
+        </p:spPr>
+        <p:txBody>
+          <a:bodyPr wrap="square" rtlCol="0">
+            <a:spAutoFit/>
+          </a:bodyPr>
+          <a:lstStyle/>
+          <a:p>
+            <a:r>
+              <a:rPr lang="en-US" altLang="ko-KR" dirty="0" err="1" smtClean="0"/>
+              <a:t>LoRa</a:t>
+            </a:r>
+            <a:endParaRPr lang="ko-KR" altLang="en-US" dirty="0"/>
+          </a:p>
+        </p:txBody>
+      </p:sp>
+      <p:sp>
+        <p:nvSpPr>
+          <p:cNvPr id="13" name="위쪽/아래쪽 화살표 12"/>
+          <p:cNvSpPr/>
+          <p:nvPr/>
+        </p:nvSpPr>
+        <p:spPr>
+          <a:xfrm>
+            <a:off x="2699792" y="3789040"/>
+            <a:ext cx="432048" cy="648072"/>
+          </a:xfrm>
+          <a:prstGeom prst="upDownArrow">
+            <a:avLst/>
+          </a:prstGeom>
+        </p:spPr>
+        <p:style>
+          <a:lnRef idx="2">
+            <a:schemeClr val="accent1">
+              <a:shade val="50000"/>
+            </a:schemeClr>
+          </a:lnRef>
+          <a:fillRef idx="1">
+            <a:schemeClr val="accent1"/>
+          </a:fillRef>
+          <a:effectRef idx="0">
+            <a:schemeClr val="accent1"/>
+          </a:effectRef>
+          <a:fontRef idx="minor">
+            <a:schemeClr val="lt1"/>
+          </a:fontRef>
+        </p:style>
+        <p:txBody>
+          <a:bodyPr rtlCol="0" anchor="ctr"/>
+          <a:lstStyle/>
+          <a:p>
+            <a:pPr algn="ctr"/>
+            <a:endParaRPr lang="ko-KR" altLang="en-US"/>
+          </a:p>
+        </p:txBody>
+      </p:sp>
+    </p:spTree>
+  </p:cSld>
+  <p:clrMapOvr>
+    <a:masterClrMapping/>
+  </p:clrMapOvr>
+</p:sld>
+</file>
+
+<file path=ppt/slides/slide4.xml><?xml version="1.0" encoding="utf-8"?>
+<p:sld xmlns:a="http://schemas.openxmlformats.org/drawingml/2006/main" xmlns:r="http://schemas.openxmlformats.org/officeDocument/2006/relationships" xmlns:p="http://schemas.openxmlformats.org/presentationml/2006/main">
+  <p:cSld>
+    <p:spTree>
+      <p:nvGrpSpPr>
+        <p:cNvPr id="1" name=""/>
+        <p:cNvGrpSpPr/>
+        <p:nvPr/>
+      </p:nvGrpSpPr>
+      <p:grpSpPr>
+        <a:xfrm>
+          <a:off x="0" y="0"/>
+          <a:ext cx="0" cy="0"/>
+          <a:chOff x="0" y="0"/>
+          <a:chExt cx="0" cy="0"/>
+        </a:xfrm>
+      </p:grpSpPr>
+      <p:sp>
+        <p:nvSpPr>
+          <p:cNvPr id="2" name="제목 1"/>
+          <p:cNvSpPr>
+            <a:spLocks noGrp="1"/>
+          </p:cNvSpPr>
+          <p:nvPr>
+            <p:ph type="title"/>
+          </p:nvPr>
+        </p:nvSpPr>
+        <p:spPr/>
+        <p:txBody>
           <a:bodyPr/>
           <a:lstStyle/>
           <a:p>
@@ -3576,8 +4055,13 @@
           <a:p>
             <a:r>
               <a:rPr lang="en-US" altLang="ko-KR" dirty="0" smtClean="0"/>
-              <a:t>Measurement term: 1Cycle/60Sec</a:t>
-            </a:r>
+              <a:t>Measurement term: </a:t>
+            </a:r>
+            <a:r>
+              <a:rPr lang="en-US" altLang="ko-KR" dirty="0" smtClean="0"/>
+              <a:t>1Cycle/10Sec</a:t>
+            </a:r>
+            <a:endParaRPr lang="en-US" altLang="ko-KR" dirty="0" smtClean="0"/>
           </a:p>
           <a:p>
             <a:r>
@@ -3593,10 +4077,10 @@
             </a:r>
             <a:r>
               <a:rPr lang="en-US" altLang="ko-KR" dirty="0" err="1" smtClean="0"/>
-              <a:t>UTC:Daylight</a:t>
-            </a:r>
-            <a:r>
-              <a:rPr lang="en-US" altLang="ko-KR" smtClean="0"/>
+              <a:t>count,UTC,Daylight</a:t>
+            </a:r>
+            <a:r>
+              <a:rPr lang="en-US" altLang="ko-KR" dirty="0" smtClean="0"/>
               <a:t>}</a:t>
             </a:r>
           </a:p>
